--- a/LectureSlides/2526Play.pptx
+++ b/LectureSlides/2526Play.pptx
@@ -236,7 +236,7 @@
           <a:p>
             <a:fld id="{E1E7BBD2-A5D0-4B1D-B889-8F7B657ECBD9}" type="datetimeFigureOut">
               <a:rPr lang="en-US" smtClean="0"/>
-              <a:t>12/6/2024</a:t>
+              <a:t>12/20/2024</a:t>
             </a:fld>
             <a:endParaRPr lang="en-US"/>
           </a:p>
@@ -946,7 +946,7 @@
           <a:p>
             <a:fld id="{3E9D31C7-122C-435B-90FC-50DD85BE55EF}" type="datetime1">
               <a:rPr lang="en-US" smtClean="0"/>
-              <a:t>12/6/2024</a:t>
+              <a:t>12/20/2024</a:t>
             </a:fld>
             <a:endParaRPr lang="en-US"/>
           </a:p>
@@ -1154,7 +1154,7 @@
           <a:p>
             <a:fld id="{488473BF-09A1-466B-A7A6-38549FBFE505}" type="datetime1">
               <a:rPr lang="en-US" smtClean="0"/>
-              <a:t>12/6/2024</a:t>
+              <a:t>12/20/2024</a:t>
             </a:fld>
             <a:endParaRPr lang="en-US"/>
           </a:p>
@@ -1410,7 +1410,7 @@
           <a:p>
             <a:fld id="{345DF39D-FED1-40D8-98C2-FC0D8062D561}" type="datetime1">
               <a:rPr lang="en-US" smtClean="0"/>
-              <a:t>12/6/2024</a:t>
+              <a:t>12/20/2024</a:t>
             </a:fld>
             <a:endParaRPr lang="en-US"/>
           </a:p>
@@ -1595,7 +1595,7 @@
           <a:p>
             <a:fld id="{F0DC1F15-99DD-4F85-8805-031BFB1FDFEE}" type="datetime1">
               <a:rPr lang="en-US" smtClean="0"/>
-              <a:t>12/6/2024</a:t>
+              <a:t>12/20/2024</a:t>
             </a:fld>
             <a:endParaRPr lang="en-US"/>
           </a:p>
@@ -1938,7 +1938,7 @@
           <a:p>
             <a:fld id="{4FD3917C-92C1-4DE0-A525-FEFA93C4EDC5}" type="datetime1">
               <a:rPr lang="en-US" smtClean="0"/>
-              <a:t>12/6/2024</a:t>
+              <a:t>12/20/2024</a:t>
             </a:fld>
             <a:endParaRPr lang="en-US"/>
           </a:p>
@@ -2243,7 +2243,7 @@
           <a:p>
             <a:fld id="{05EFFDC0-6A7B-4C54-A9E3-0FCB2465AC07}" type="datetime1">
               <a:rPr lang="en-US" smtClean="0"/>
-              <a:t>12/6/2024</a:t>
+              <a:t>12/20/2024</a:t>
             </a:fld>
             <a:endParaRPr lang="en-US"/>
           </a:p>
@@ -2652,7 +2652,7 @@
           <a:p>
             <a:fld id="{BE267F27-CC70-4E8F-B3BE-7482DC477BC3}" type="datetime1">
               <a:rPr lang="en-US" smtClean="0"/>
-              <a:t>12/6/2024</a:t>
+              <a:t>12/20/2024</a:t>
             </a:fld>
             <a:endParaRPr lang="en-US"/>
           </a:p>
@@ -2770,7 +2770,7 @@
           <a:p>
             <a:fld id="{4A31A163-0ACA-4EF8-B5B6-641081AA3A91}" type="datetime1">
               <a:rPr lang="en-US" smtClean="0"/>
-              <a:t>12/6/2024</a:t>
+              <a:t>12/20/2024</a:t>
             </a:fld>
             <a:endParaRPr lang="en-US"/>
           </a:p>
@@ -2941,7 +2941,7 @@
           <a:p>
             <a:fld id="{0FCE04C8-5974-4997-84BF-E0937591C150}" type="datetime1">
               <a:rPr lang="en-US" smtClean="0"/>
-              <a:t>12/6/2024</a:t>
+              <a:t>12/20/2024</a:t>
             </a:fld>
             <a:endParaRPr lang="en-US"/>
           </a:p>
@@ -3310,7 +3310,7 @@
           <a:p>
             <a:fld id="{4ADB9E84-6A1C-445D-8C23-28CE4227726B}" type="datetime1">
               <a:rPr lang="en-US" smtClean="0"/>
-              <a:t>12/6/2024</a:t>
+              <a:t>12/20/2024</a:t>
             </a:fld>
             <a:endParaRPr lang="en-US"/>
           </a:p>
@@ -3687,7 +3687,7 @@
           <a:p>
             <a:fld id="{2B662A3C-15B9-4151-99B4-C52196AB44FF}" type="datetime1">
               <a:rPr lang="en-US" smtClean="0"/>
-              <a:t>12/6/2024</a:t>
+              <a:t>12/20/2024</a:t>
             </a:fld>
             <a:endParaRPr lang="en-US"/>
           </a:p>
@@ -3974,7 +3974,7 @@
           <a:p>
             <a:fld id="{B9F4A52E-49FE-4853-B299-1ACC78E1A660}" type="datetime1">
               <a:rPr lang="en-US" smtClean="0"/>
-              <a:t>12/6/2024</a:t>
+              <a:t>12/20/2024</a:t>
             </a:fld>
             <a:endParaRPr lang="en-US"/>
           </a:p>
@@ -4522,7 +4522,7 @@
           <a:p>
             <a:r>
               <a:rPr lang="en-US" dirty="0"/>
-              <a:t>12 – Play + Media</a:t>
+              <a:t>25,26 – Play + Media</a:t>
             </a:r>
           </a:p>
         </p:txBody>
